--- a/readings/week-02/Design Patterns 102.pptx
+++ b/readings/week-02/Design Patterns 102.pptx
@@ -292,7 +292,7 @@
           <a:lstStyle/>
           <a:p>
             <a:fld id="{373503AD-24D2-F04B-A5C1-AA31754D0B29}" type="datetimeFigureOut">
-              <a:t>9/3/24</a:t>
+              <a:t>9/18/24</a:t>
             </a:fld>
             <a:endParaRPr lang="en-US"/>
           </a:p>
@@ -488,7 +488,7 @@
           <a:lstStyle/>
           <a:p>
             <a:fld id="{373503AD-24D2-F04B-A5C1-AA31754D0B29}" type="datetimeFigureOut">
-              <a:t>9/3/24</a:t>
+              <a:t>9/18/24</a:t>
             </a:fld>
             <a:endParaRPr lang="en-US"/>
           </a:p>
@@ -694,7 +694,7 @@
           <a:lstStyle/>
           <a:p>
             <a:fld id="{373503AD-24D2-F04B-A5C1-AA31754D0B29}" type="datetimeFigureOut">
-              <a:t>9/3/24</a:t>
+              <a:t>9/18/24</a:t>
             </a:fld>
             <a:endParaRPr lang="en-US"/>
           </a:p>
@@ -1394,7 +1394,7 @@
           <a:lstStyle/>
           <a:p>
             <a:fld id="{60333386-1B45-7249-8E62-12B8A0E7EFF6}" type="datetimeFigureOut">
-              <a:t>9/3/24</a:t>
+              <a:t>9/18/24</a:t>
             </a:fld>
             <a:endParaRPr lang="en-US"/>
           </a:p>
@@ -1590,7 +1590,7 @@
           <a:lstStyle/>
           <a:p>
             <a:fld id="{60333386-1B45-7249-8E62-12B8A0E7EFF6}" type="datetimeFigureOut">
-              <a:t>9/3/24</a:t>
+              <a:t>9/18/24</a:t>
             </a:fld>
             <a:endParaRPr lang="en-US"/>
           </a:p>
@@ -1863,7 +1863,7 @@
           <a:lstStyle/>
           <a:p>
             <a:fld id="{60333386-1B45-7249-8E62-12B8A0E7EFF6}" type="datetimeFigureOut">
-              <a:t>9/3/24</a:t>
+              <a:t>9/18/24</a:t>
             </a:fld>
             <a:endParaRPr lang="en-US"/>
           </a:p>
@@ -2126,7 +2126,7 @@
           <a:lstStyle/>
           <a:p>
             <a:fld id="{60333386-1B45-7249-8E62-12B8A0E7EFF6}" type="datetimeFigureOut">
-              <a:t>9/3/24</a:t>
+              <a:t>9/18/24</a:t>
             </a:fld>
             <a:endParaRPr lang="en-US"/>
           </a:p>
@@ -2536,7 +2536,7 @@
           <a:lstStyle/>
           <a:p>
             <a:fld id="{60333386-1B45-7249-8E62-12B8A0E7EFF6}" type="datetimeFigureOut">
-              <a:t>9/3/24</a:t>
+              <a:t>9/18/24</a:t>
             </a:fld>
             <a:endParaRPr lang="en-US"/>
           </a:p>
@@ -2675,7 +2675,7 @@
           <a:lstStyle/>
           <a:p>
             <a:fld id="{60333386-1B45-7249-8E62-12B8A0E7EFF6}" type="datetimeFigureOut">
-              <a:t>9/3/24</a:t>
+              <a:t>9/18/24</a:t>
             </a:fld>
             <a:endParaRPr lang="en-US"/>
           </a:p>
@@ -2875,7 +2875,7 @@
           <a:lstStyle/>
           <a:p>
             <a:fld id="{373503AD-24D2-F04B-A5C1-AA31754D0B29}" type="datetimeFigureOut">
-              <a:t>9/3/24</a:t>
+              <a:t>9/18/24</a:t>
             </a:fld>
             <a:endParaRPr lang="en-US"/>
           </a:p>
@@ -2986,7 +2986,7 @@
           <a:lstStyle/>
           <a:p>
             <a:fld id="{60333386-1B45-7249-8E62-12B8A0E7EFF6}" type="datetimeFigureOut">
-              <a:t>9/3/24</a:t>
+              <a:t>9/18/24</a:t>
             </a:fld>
             <a:endParaRPr lang="en-US"/>
           </a:p>
@@ -3295,7 +3295,7 @@
           <a:lstStyle/>
           <a:p>
             <a:fld id="{60333386-1B45-7249-8E62-12B8A0E7EFF6}" type="datetimeFigureOut">
-              <a:t>9/3/24</a:t>
+              <a:t>9/18/24</a:t>
             </a:fld>
             <a:endParaRPr lang="en-US"/>
           </a:p>
@@ -3581,7 +3581,7 @@
           <a:lstStyle/>
           <a:p>
             <a:fld id="{60333386-1B45-7249-8E62-12B8A0E7EFF6}" type="datetimeFigureOut">
-              <a:t>9/3/24</a:t>
+              <a:t>9/18/24</a:t>
             </a:fld>
             <a:endParaRPr lang="en-US"/>
           </a:p>
@@ -3777,7 +3777,7 @@
           <a:lstStyle/>
           <a:p>
             <a:fld id="{60333386-1B45-7249-8E62-12B8A0E7EFF6}" type="datetimeFigureOut">
-              <a:t>9/3/24</a:t>
+              <a:t>9/18/24</a:t>
             </a:fld>
             <a:endParaRPr lang="en-US"/>
           </a:p>
@@ -3983,7 +3983,7 @@
           <a:lstStyle/>
           <a:p>
             <a:fld id="{60333386-1B45-7249-8E62-12B8A0E7EFF6}" type="datetimeFigureOut">
-              <a:t>9/3/24</a:t>
+              <a:t>9/18/24</a:t>
             </a:fld>
             <a:endParaRPr lang="en-US"/>
           </a:p>
@@ -4256,7 +4256,7 @@
           <a:lstStyle/>
           <a:p>
             <a:fld id="{373503AD-24D2-F04B-A5C1-AA31754D0B29}" type="datetimeFigureOut">
-              <a:t>9/3/24</a:t>
+              <a:t>9/18/24</a:t>
             </a:fld>
             <a:endParaRPr lang="en-US"/>
           </a:p>
@@ -4519,7 +4519,7 @@
           <a:lstStyle/>
           <a:p>
             <a:fld id="{373503AD-24D2-F04B-A5C1-AA31754D0B29}" type="datetimeFigureOut">
-              <a:t>9/3/24</a:t>
+              <a:t>9/18/24</a:t>
             </a:fld>
             <a:endParaRPr lang="en-US"/>
           </a:p>
@@ -4929,7 +4929,7 @@
           <a:lstStyle/>
           <a:p>
             <a:fld id="{373503AD-24D2-F04B-A5C1-AA31754D0B29}" type="datetimeFigureOut">
-              <a:t>9/3/24</a:t>
+              <a:t>9/18/24</a:t>
             </a:fld>
             <a:endParaRPr lang="en-US"/>
           </a:p>
@@ -5068,7 +5068,7 @@
           <a:lstStyle/>
           <a:p>
             <a:fld id="{373503AD-24D2-F04B-A5C1-AA31754D0B29}" type="datetimeFigureOut">
-              <a:t>9/3/24</a:t>
+              <a:t>9/18/24</a:t>
             </a:fld>
             <a:endParaRPr lang="en-US"/>
           </a:p>
@@ -5179,7 +5179,7 @@
           <a:lstStyle/>
           <a:p>
             <a:fld id="{373503AD-24D2-F04B-A5C1-AA31754D0B29}" type="datetimeFigureOut">
-              <a:t>9/3/24</a:t>
+              <a:t>9/18/24</a:t>
             </a:fld>
             <a:endParaRPr lang="en-US"/>
           </a:p>
@@ -5488,7 +5488,7 @@
           <a:lstStyle/>
           <a:p>
             <a:fld id="{373503AD-24D2-F04B-A5C1-AA31754D0B29}" type="datetimeFigureOut">
-              <a:t>9/3/24</a:t>
+              <a:t>9/18/24</a:t>
             </a:fld>
             <a:endParaRPr lang="en-US"/>
           </a:p>
@@ -5774,7 +5774,7 @@
           <a:lstStyle/>
           <a:p>
             <a:fld id="{373503AD-24D2-F04B-A5C1-AA31754D0B29}" type="datetimeFigureOut">
-              <a:t>9/3/24</a:t>
+              <a:t>9/18/24</a:t>
             </a:fld>
             <a:endParaRPr lang="en-US"/>
           </a:p>
@@ -6013,7 +6013,7 @@
           </a:lstStyle>
           <a:p>
             <a:fld id="{373503AD-24D2-F04B-A5C1-AA31754D0B29}" type="datetimeFigureOut">
-              <a:t>9/3/24</a:t>
+              <a:t>9/18/24</a:t>
             </a:fld>
             <a:endParaRPr lang="en-US"/>
           </a:p>
@@ -6581,7 +6581,7 @@
           </a:lstStyle>
           <a:p>
             <a:fld id="{60333386-1B45-7249-8E62-12B8A0E7EFF6}" type="datetimeFigureOut">
-              <a:t>9/3/24</a:t>
+              <a:t>9/18/24</a:t>
             </a:fld>
             <a:endParaRPr lang="en-US"/>
           </a:p>
@@ -9646,7 +9646,43 @@
             </a:pPr>
             <a:r>
               <a:rPr lang="en-US"/>
-              <a:t>Information we use to talk about 1-4, i.e. </a:t>
+              <a:t>Where these material entities and their boundaries are located, e.g. </a:t>
+            </a:r>
+            <a:r>
+              <a:rPr lang="en-US" b="1">
+                <a:solidFill>
+                  <a:schemeClr val="accent6"/>
+                </a:solidFill>
+              </a:rPr>
+              <a:t>Immaterial Entity</a:t>
+            </a:r>
+          </a:p>
+          <a:p>
+            <a:pPr marL="971550" lvl="1" indent="-514350">
+              <a:buFont typeface="+mj-lt"/>
+              <a:buAutoNum type="arabicPeriod"/>
+            </a:pPr>
+            <a:r>
+              <a:rPr lang="en-US"/>
+              <a:t>When these entities exist, e.g. </a:t>
+            </a:r>
+            <a:r>
+              <a:rPr lang="en-US" b="1">
+                <a:solidFill>
+                  <a:schemeClr val="accent6"/>
+                </a:solidFill>
+              </a:rPr>
+              <a:t>Temporal Region</a:t>
+            </a:r>
+          </a:p>
+          <a:p>
+            <a:pPr marL="971550" lvl="1" indent="-514350">
+              <a:buFont typeface="+mj-lt"/>
+              <a:buAutoNum type="arabicPeriod"/>
+            </a:pPr>
+            <a:r>
+              <a:rPr lang="en-US"/>
+              <a:t>Information we use to talk about 1-6, i.e. </a:t>
             </a:r>
             <a:r>
               <a:rPr lang="en-US" b="1">
